--- a/InfluencerAnalysis_UserGuide.pptx
+++ b/InfluencerAnalysis_UserGuide.pptx
@@ -112,6 +112,11 @@
       </a:defRPr>
     </a:lvl9pPr>
   </p:defaultTextStyle>
+  <p:extLst>
+    <p:ext uri="{EFAFB233-063F-42B5-8137-9DF3F51BA10A}">
+      <p15:sldGuideLst xmlns:p15="http://schemas.microsoft.com/office/powerpoint/2012/main"/>
+    </p:ext>
+  </p:extLst>
 </p:presentation>
 </file>
 
@@ -262,7 +267,7 @@
           <a:p>
             <a:fld id="{A136130E-7BC2-405B-820E-1EDABF6A1302}" type="datetimeFigureOut">
               <a:rPr lang="ko-KR" altLang="en-US" smtClean="0"/>
-              <a:t>2022-01-04</a:t>
+              <a:t>2022-01-05</a:t>
             </a:fld>
             <a:endParaRPr lang="ko-KR" altLang="en-US"/>
           </a:p>
@@ -460,7 +465,7 @@
           <a:p>
             <a:fld id="{A136130E-7BC2-405B-820E-1EDABF6A1302}" type="datetimeFigureOut">
               <a:rPr lang="ko-KR" altLang="en-US" smtClean="0"/>
-              <a:t>2022-01-04</a:t>
+              <a:t>2022-01-05</a:t>
             </a:fld>
             <a:endParaRPr lang="ko-KR" altLang="en-US"/>
           </a:p>
@@ -668,7 +673,7 @@
           <a:p>
             <a:fld id="{A136130E-7BC2-405B-820E-1EDABF6A1302}" type="datetimeFigureOut">
               <a:rPr lang="ko-KR" altLang="en-US" smtClean="0"/>
-              <a:t>2022-01-04</a:t>
+              <a:t>2022-01-05</a:t>
             </a:fld>
             <a:endParaRPr lang="ko-KR" altLang="en-US"/>
           </a:p>
@@ -866,7 +871,7 @@
           <a:p>
             <a:fld id="{A136130E-7BC2-405B-820E-1EDABF6A1302}" type="datetimeFigureOut">
               <a:rPr lang="ko-KR" altLang="en-US" smtClean="0"/>
-              <a:t>2022-01-04</a:t>
+              <a:t>2022-01-05</a:t>
             </a:fld>
             <a:endParaRPr lang="ko-KR" altLang="en-US"/>
           </a:p>
@@ -1141,7 +1146,7 @@
           <a:p>
             <a:fld id="{A136130E-7BC2-405B-820E-1EDABF6A1302}" type="datetimeFigureOut">
               <a:rPr lang="ko-KR" altLang="en-US" smtClean="0"/>
-              <a:t>2022-01-04</a:t>
+              <a:t>2022-01-05</a:t>
             </a:fld>
             <a:endParaRPr lang="ko-KR" altLang="en-US"/>
           </a:p>
@@ -1406,7 +1411,7 @@
           <a:p>
             <a:fld id="{A136130E-7BC2-405B-820E-1EDABF6A1302}" type="datetimeFigureOut">
               <a:rPr lang="ko-KR" altLang="en-US" smtClean="0"/>
-              <a:t>2022-01-04</a:t>
+              <a:t>2022-01-05</a:t>
             </a:fld>
             <a:endParaRPr lang="ko-KR" altLang="en-US"/>
           </a:p>
@@ -1818,7 +1823,7 @@
           <a:p>
             <a:fld id="{A136130E-7BC2-405B-820E-1EDABF6A1302}" type="datetimeFigureOut">
               <a:rPr lang="ko-KR" altLang="en-US" smtClean="0"/>
-              <a:t>2022-01-04</a:t>
+              <a:t>2022-01-05</a:t>
             </a:fld>
             <a:endParaRPr lang="ko-KR" altLang="en-US"/>
           </a:p>
@@ -1959,7 +1964,7 @@
           <a:p>
             <a:fld id="{A136130E-7BC2-405B-820E-1EDABF6A1302}" type="datetimeFigureOut">
               <a:rPr lang="ko-KR" altLang="en-US" smtClean="0"/>
-              <a:t>2022-01-04</a:t>
+              <a:t>2022-01-05</a:t>
             </a:fld>
             <a:endParaRPr lang="ko-KR" altLang="en-US"/>
           </a:p>
@@ -2072,7 +2077,7 @@
           <a:p>
             <a:fld id="{A136130E-7BC2-405B-820E-1EDABF6A1302}" type="datetimeFigureOut">
               <a:rPr lang="ko-KR" altLang="en-US" smtClean="0"/>
-              <a:t>2022-01-04</a:t>
+              <a:t>2022-01-05</a:t>
             </a:fld>
             <a:endParaRPr lang="ko-KR" altLang="en-US"/>
           </a:p>
@@ -2383,7 +2388,7 @@
           <a:p>
             <a:fld id="{A136130E-7BC2-405B-820E-1EDABF6A1302}" type="datetimeFigureOut">
               <a:rPr lang="ko-KR" altLang="en-US" smtClean="0"/>
-              <a:t>2022-01-04</a:t>
+              <a:t>2022-01-05</a:t>
             </a:fld>
             <a:endParaRPr lang="ko-KR" altLang="en-US"/>
           </a:p>
@@ -2671,7 +2676,7 @@
           <a:p>
             <a:fld id="{A136130E-7BC2-405B-820E-1EDABF6A1302}" type="datetimeFigureOut">
               <a:rPr lang="ko-KR" altLang="en-US" smtClean="0"/>
-              <a:t>2022-01-04</a:t>
+              <a:t>2022-01-05</a:t>
             </a:fld>
             <a:endParaRPr lang="ko-KR" altLang="en-US"/>
           </a:p>
@@ -2912,7 +2917,7 @@
           <a:p>
             <a:fld id="{A136130E-7BC2-405B-820E-1EDABF6A1302}" type="datetimeFigureOut">
               <a:rPr lang="ko-KR" altLang="en-US" smtClean="0"/>
-              <a:t>2022-01-04</a:t>
+              <a:t>2022-01-05</a:t>
             </a:fld>
             <a:endParaRPr lang="ko-KR" altLang="en-US"/>
           </a:p>
@@ -4614,7 +4619,7 @@
         </p:blipFill>
         <p:spPr>
           <a:xfrm>
-            <a:off x="5651023" y="3836835"/>
+            <a:off x="5663410" y="3872805"/>
             <a:ext cx="4326640" cy="550362"/>
           </a:xfrm>
           <a:prstGeom prst="rect">
@@ -4641,7 +4646,7 @@
         </p:nvSpPr>
         <p:spPr>
           <a:xfrm>
-            <a:off x="8434265" y="4162758"/>
+            <a:off x="8446652" y="4198728"/>
             <a:ext cx="924426" cy="161380"/>
           </a:xfrm>
           <a:prstGeom prst="rect">
@@ -4963,9 +4968,93 @@
               <a:rPr lang="en-US" altLang="ko-KR" sz="800" dirty="0"/>
               <a:t>: 1</a:t>
             </a:r>
-            <a:endParaRPr lang="en-US" altLang="ko-KR" sz="800" dirty="0">
+            <a:endParaRPr lang="en-US" altLang="ko-KR" sz="1200" dirty="0">
               <a:hlinkClick r:id="rId3"/>
             </a:endParaRPr>
+          </a:p>
+          <a:p>
+            <a:r>
+              <a:rPr lang="en-US" altLang="ko-KR" sz="1400" dirty="0">
+                <a:sym typeface="Wingdings" panose="05000000000000000000" pitchFamily="2" charset="2"/>
+              </a:rPr>
+              <a:t> </a:t>
+            </a:r>
+            <a:r>
+              <a:rPr lang="ko-KR" altLang="en-US" sz="1400" dirty="0">
+                <a:sym typeface="Wingdings" panose="05000000000000000000" pitchFamily="2" charset="2"/>
+              </a:rPr>
+              <a:t>한 </a:t>
+            </a:r>
+            <a:r>
+              <a:rPr lang="en-US" altLang="ko-KR" sz="1400" dirty="0">
+                <a:sym typeface="Wingdings" panose="05000000000000000000" pitchFamily="2" charset="2"/>
+              </a:rPr>
+              <a:t>channel </a:t>
+            </a:r>
+            <a:r>
+              <a:rPr lang="ko-KR" altLang="en-US" sz="1400" dirty="0">
+                <a:sym typeface="Wingdings" panose="05000000000000000000" pitchFamily="2" charset="2"/>
+              </a:rPr>
+              <a:t>에 최근 </a:t>
+            </a:r>
+            <a:r>
+              <a:rPr lang="en-US" altLang="ko-KR" sz="1400" dirty="0">
+                <a:sym typeface="Wingdings" panose="05000000000000000000" pitchFamily="2" charset="2"/>
+              </a:rPr>
+              <a:t>30</a:t>
+            </a:r>
+            <a:r>
+              <a:rPr lang="ko-KR" altLang="en-US" sz="1400" dirty="0">
+                <a:sym typeface="Wingdings" panose="05000000000000000000" pitchFamily="2" charset="2"/>
+              </a:rPr>
+              <a:t>개 </a:t>
+            </a:r>
+            <a:r>
+              <a:rPr lang="en-US" altLang="ko-KR" sz="1400" dirty="0">
+                <a:sym typeface="Wingdings" panose="05000000000000000000" pitchFamily="2" charset="2"/>
+              </a:rPr>
+              <a:t>video </a:t>
+            </a:r>
+            <a:r>
+              <a:rPr lang="ko-KR" altLang="en-US" sz="1400" dirty="0">
+                <a:sym typeface="Wingdings" panose="05000000000000000000" pitchFamily="2" charset="2"/>
+              </a:rPr>
+              <a:t>정보 수집 시</a:t>
+            </a:r>
+            <a:r>
+              <a:rPr lang="en-US" altLang="ko-KR" sz="1400" dirty="0">
+                <a:sym typeface="Wingdings" panose="05000000000000000000" pitchFamily="2" charset="2"/>
+              </a:rPr>
+              <a:t>:</a:t>
+            </a:r>
+          </a:p>
+          <a:p>
+            <a:pPr lvl="1"/>
+            <a:r>
+              <a:rPr lang="en-US" altLang="ko-KR" sz="1000" dirty="0">
+                <a:sym typeface="Wingdings" panose="05000000000000000000" pitchFamily="2" charset="2"/>
+              </a:rPr>
+              <a:t>1 channel search : 100</a:t>
+            </a:r>
+          </a:p>
+          <a:p>
+            <a:pPr lvl="1"/>
+            <a:r>
+              <a:rPr lang="en-US" altLang="ko-KR" sz="1000" dirty="0">
+                <a:sym typeface="Wingdings" panose="05000000000000000000" pitchFamily="2" charset="2"/>
+              </a:rPr>
+              <a:t>30 videos per channel : 30</a:t>
+            </a:r>
+          </a:p>
+          <a:p>
+            <a:pPr lvl="1"/>
+            <a:r>
+              <a:rPr lang="en-US" altLang="ko-KR" sz="1000" dirty="0">
+                <a:sym typeface="Wingdings" panose="05000000000000000000" pitchFamily="2" charset="2"/>
+              </a:rPr>
+              <a:t>100 + 30 = 130</a:t>
+            </a:r>
+            <a:endParaRPr lang="en-US" altLang="ko-KR" sz="1000" dirty="0"/>
           </a:p>
           <a:p>
             <a:r>
@@ -6254,7 +6343,15 @@
             </a:r>
             <a:r>
               <a:rPr lang="en-US" altLang="ko-KR" sz="1400" dirty="0"/>
-              <a:t>“Run.bat”</a:t>
+              <a:t>“</a:t>
+            </a:r>
+            <a:r>
+              <a:rPr lang="en-US" altLang="ko-KR" sz="1400"/>
+              <a:t>Run_InfluencerAnalysis.</a:t>
+            </a:r>
+            <a:r>
+              <a:rPr lang="en-US" altLang="ko-KR" sz="1400" dirty="0"/>
+              <a:t>bat”</a:t>
             </a:r>
           </a:p>
           <a:p>
@@ -6268,7 +6365,7 @@
             </a:r>
             <a:r>
               <a:rPr lang="ko-KR" altLang="en-US" sz="1400" dirty="0"/>
-              <a:t>툴 실행 당시 </a:t>
+              <a:t>툴 실행 시점에 </a:t>
             </a:r>
             <a:r>
               <a:rPr lang="en-US" altLang="ko-KR" sz="1400" dirty="0"/>
@@ -6290,6 +6387,73 @@
               <a:rPr lang="en-US" altLang="ko-KR" sz="1400" dirty="0"/>
               <a:t>.</a:t>
             </a:r>
+          </a:p>
+          <a:p>
+            <a:r>
+              <a:rPr lang="en-US" altLang="ko-KR" sz="1400" dirty="0"/>
+              <a:t>Google API </a:t>
+            </a:r>
+            <a:r>
+              <a:rPr lang="ko-KR" altLang="en-US" sz="1400" dirty="0"/>
+              <a:t>에서 </a:t>
+            </a:r>
+            <a:r>
+              <a:rPr lang="en-US" altLang="ko-KR" sz="1400" dirty="0"/>
+              <a:t>Channel </a:t>
+            </a:r>
+            <a:r>
+              <a:rPr lang="ko-KR" altLang="en-US" sz="1400" dirty="0"/>
+              <a:t>또는 </a:t>
+            </a:r>
+            <a:r>
+              <a:rPr lang="en-US" altLang="ko-KR" sz="1400" dirty="0"/>
+              <a:t>Video data</a:t>
+            </a:r>
+            <a:r>
+              <a:rPr lang="ko-KR" altLang="en-US" sz="1400" dirty="0"/>
+              <a:t>를 얻지 못하는 경우</a:t>
+            </a:r>
+            <a:r>
+              <a:rPr lang="en-US" altLang="ko-KR" sz="1400" dirty="0"/>
+              <a:t>, </a:t>
+            </a:r>
+            <a:r>
+              <a:rPr lang="ko-KR" altLang="en-US" sz="1400" dirty="0"/>
+              <a:t>해당 </a:t>
+            </a:r>
+            <a:r>
+              <a:rPr lang="en-US" altLang="ko-KR" sz="1400" dirty="0"/>
+              <a:t>content </a:t>
+            </a:r>
+            <a:r>
+              <a:rPr lang="ko-KR" altLang="en-US" sz="1400" dirty="0"/>
+              <a:t>에 대한 정보는 </a:t>
+            </a:r>
+            <a:r>
+              <a:rPr lang="en-US" altLang="ko-KR" sz="1400" dirty="0"/>
+              <a:t>skip </a:t>
+            </a:r>
+            <a:r>
+              <a:rPr lang="ko-KR" altLang="en-US" sz="1400" dirty="0"/>
+              <a:t>됩니다</a:t>
+            </a:r>
+            <a:r>
+              <a:rPr lang="en-US" altLang="ko-KR" sz="1400" dirty="0"/>
+              <a:t>.</a:t>
+            </a:r>
+          </a:p>
+          <a:p>
+            <a:pPr lvl="1"/>
+            <a:r>
+              <a:rPr lang="en-US" altLang="ko-KR" sz="1000" dirty="0"/>
+              <a:t>Like, view, comment count = 0</a:t>
+            </a:r>
+          </a:p>
+          <a:p>
+            <a:pPr marL="457200" lvl="1" indent="0">
+              <a:buNone/>
+            </a:pPr>
+            <a:endParaRPr lang="en-US" altLang="ko-KR" sz="1000" dirty="0"/>
           </a:p>
         </p:txBody>
       </p:sp>
@@ -6389,12 +6553,407 @@
           <a:p>
             <a:r>
               <a:rPr lang="ko-KR" altLang="en-US" sz="1400" dirty="0"/>
-              <a:t>실행 콘솔 창 공유</a:t>
+              <a:t>실행 콘솔 창 공유 </a:t>
+            </a:r>
+            <a:r>
+              <a:rPr lang="en-US" altLang="ko-KR" sz="1400" dirty="0"/>
+              <a:t>(</a:t>
+            </a:r>
+            <a:r>
+              <a:rPr lang="ko-KR" altLang="en-US" sz="1400" dirty="0"/>
+              <a:t>콘솔 내용 복사</a:t>
             </a:r>
             <a:endParaRPr lang="en-US" altLang="ko-KR" sz="1400" dirty="0"/>
           </a:p>
-        </p:txBody>
-      </p:sp>
+          <a:p>
+            <a:pPr lvl="1"/>
+            <a:r>
+              <a:rPr lang="ko-KR" altLang="en-US" sz="1000" dirty="0"/>
+              <a:t>콘솔 </a:t>
+            </a:r>
+            <a:r>
+              <a:rPr lang="ko-KR" altLang="en-US" sz="1000" dirty="0" err="1"/>
+              <a:t>제목창</a:t>
+            </a:r>
+            <a:r>
+              <a:rPr lang="ko-KR" altLang="en-US" sz="1000" dirty="0"/>
+              <a:t> </a:t>
+            </a:r>
+            <a:r>
+              <a:rPr lang="ko-KR" altLang="en-US" sz="1000" dirty="0" err="1"/>
+              <a:t>우클릭</a:t>
+            </a:r>
+            <a:r>
+              <a:rPr lang="ko-KR" altLang="en-US" sz="1000" dirty="0"/>
+              <a:t> </a:t>
+            </a:r>
+            <a:r>
+              <a:rPr lang="en-US" altLang="ko-KR" sz="1000" dirty="0"/>
+              <a:t>-&gt; </a:t>
+            </a:r>
+            <a:r>
+              <a:rPr lang="ko-KR" altLang="en-US" sz="1000" dirty="0"/>
+              <a:t>편집 </a:t>
+            </a:r>
+            <a:r>
+              <a:rPr lang="en-US" altLang="ko-KR" sz="1000" dirty="0"/>
+              <a:t>-&gt; </a:t>
+            </a:r>
+            <a:r>
+              <a:rPr lang="ko-KR" altLang="en-US" sz="1000" dirty="0"/>
+              <a:t>모두선택 </a:t>
+            </a:r>
+            <a:r>
+              <a:rPr lang="en-US" altLang="ko-KR" sz="1000" dirty="0"/>
+              <a:t>-&gt; </a:t>
+            </a:r>
+            <a:r>
+              <a:rPr lang="ko-KR" altLang="en-US" sz="1000" dirty="0"/>
+              <a:t>콘솔화면 </a:t>
+            </a:r>
+            <a:r>
+              <a:rPr lang="ko-KR" altLang="en-US" sz="1000" dirty="0" err="1"/>
+              <a:t>우클릭</a:t>
+            </a:r>
+            <a:r>
+              <a:rPr lang="ko-KR" altLang="en-US" sz="1000" dirty="0"/>
+              <a:t> 하시면 클립보드에 복사됩니다</a:t>
+            </a:r>
+            <a:endParaRPr lang="en-US" altLang="ko-KR" sz="1000" dirty="0"/>
+          </a:p>
+          <a:p>
+            <a:endParaRPr lang="en-US" altLang="ko-KR" sz="1400" dirty="0"/>
+          </a:p>
+          <a:p>
+            <a:endParaRPr lang="en-US" altLang="ko-KR" sz="1400" dirty="0"/>
+          </a:p>
+          <a:p>
+            <a:endParaRPr lang="en-US" altLang="ko-KR" sz="1400" dirty="0"/>
+          </a:p>
+          <a:p>
+            <a:endParaRPr lang="en-US" altLang="ko-KR" sz="1400" dirty="0"/>
+          </a:p>
+          <a:p>
+            <a:endParaRPr lang="en-US" altLang="ko-KR" sz="1400" dirty="0"/>
+          </a:p>
+          <a:p>
+            <a:endParaRPr lang="en-US" altLang="ko-KR" sz="1400" dirty="0"/>
+          </a:p>
+          <a:p>
+            <a:endParaRPr lang="en-US" altLang="ko-KR" sz="1400" dirty="0"/>
+          </a:p>
+          <a:p>
+            <a:endParaRPr lang="en-US" altLang="ko-KR" sz="1400" dirty="0"/>
+          </a:p>
+          <a:p>
+            <a:endParaRPr lang="en-US" altLang="ko-KR" sz="1400" dirty="0"/>
+          </a:p>
+          <a:p>
+            <a:endParaRPr lang="en-US" altLang="ko-KR" sz="1400" dirty="0"/>
+          </a:p>
+          <a:p>
+            <a:r>
+              <a:rPr lang="ko-KR" altLang="en-US" sz="1400" dirty="0"/>
+              <a:t>또는 </a:t>
+            </a:r>
+            <a:r>
+              <a:rPr lang="en-US" altLang="ko-KR" sz="1400" dirty="0"/>
+              <a:t>Run_InfluencerAnalysis.bat </a:t>
+            </a:r>
+            <a:r>
+              <a:rPr lang="ko-KR" altLang="en-US" sz="1400" dirty="0"/>
+              <a:t>파일 수정하여 </a:t>
+            </a:r>
+            <a:r>
+              <a:rPr lang="en-US" altLang="ko-KR" sz="1400" dirty="0"/>
+              <a:t>log</a:t>
+            </a:r>
+            <a:r>
+              <a:rPr lang="ko-KR" altLang="en-US" sz="1400" dirty="0"/>
+              <a:t>를 </a:t>
+            </a:r>
+            <a:r>
+              <a:rPr lang="en-US" altLang="ko-KR" sz="1400" dirty="0"/>
+              <a:t>text</a:t>
+            </a:r>
+            <a:r>
+              <a:rPr lang="ko-KR" altLang="en-US" sz="1400" dirty="0"/>
+              <a:t>로 저장</a:t>
+            </a:r>
+            <a:endParaRPr lang="en-US" altLang="ko-KR" sz="1400" dirty="0"/>
+          </a:p>
+          <a:p>
+            <a:pPr lvl="1"/>
+            <a:r>
+              <a:rPr lang="ko-KR" altLang="en-US" sz="1000" dirty="0"/>
+              <a:t>이 경우 </a:t>
+            </a:r>
+            <a:r>
+              <a:rPr lang="en-US" altLang="ko-KR" sz="1000" dirty="0"/>
+              <a:t>Run_InfluencerAnalysis.bat </a:t>
+            </a:r>
+            <a:r>
+              <a:rPr lang="ko-KR" altLang="en-US" sz="1000" dirty="0"/>
+              <a:t>실행 시 콘솔창에 로그 뜨지 않습니다</a:t>
+            </a:r>
+            <a:r>
+              <a:rPr lang="en-US" altLang="ko-KR" sz="1000" dirty="0"/>
+              <a:t>. </a:t>
+            </a:r>
+            <a:r>
+              <a:rPr lang="ko-KR" altLang="en-US" sz="1000" dirty="0"/>
+              <a:t>아래처럼 나와야 동작 완료된 것입니다</a:t>
+            </a:r>
+            <a:r>
+              <a:rPr lang="en-US" altLang="ko-KR" sz="1000" dirty="0"/>
+              <a:t>.</a:t>
+            </a:r>
+          </a:p>
+          <a:p>
+            <a:endParaRPr lang="en-US" altLang="ko-KR" sz="1400" dirty="0"/>
+          </a:p>
+        </p:txBody>
+      </p:sp>
+      <p:pic>
+        <p:nvPicPr>
+          <p:cNvPr id="3" name="그림 2">
+            <a:extLst>
+              <a:ext uri="{FF2B5EF4-FFF2-40B4-BE49-F238E27FC236}">
+                <a16:creationId xmlns:a16="http://schemas.microsoft.com/office/drawing/2014/main" id="{5FC48E8E-4816-449F-97E2-1F355C8232D2}"/>
+              </a:ext>
+            </a:extLst>
+          </p:cNvPr>
+          <p:cNvPicPr>
+            <a:picLocks noChangeAspect="1"/>
+          </p:cNvPicPr>
+          <p:nvPr/>
+        </p:nvPicPr>
+        <p:blipFill>
+          <a:blip r:embed="rId2"/>
+          <a:stretch>
+            <a:fillRect/>
+          </a:stretch>
+        </p:blipFill>
+        <p:spPr>
+          <a:xfrm>
+            <a:off x="790575" y="1460047"/>
+            <a:ext cx="5305425" cy="2933700"/>
+          </a:xfrm>
+          <a:prstGeom prst="rect">
+            <a:avLst/>
+          </a:prstGeom>
+          <a:ln w="3175">
+            <a:solidFill>
+              <a:schemeClr val="tx1"/>
+            </a:solidFill>
+          </a:ln>
+        </p:spPr>
+      </p:pic>
+      <p:pic>
+        <p:nvPicPr>
+          <p:cNvPr id="5" name="그림 4">
+            <a:extLst>
+              <a:ext uri="{FF2B5EF4-FFF2-40B4-BE49-F238E27FC236}">
+                <a16:creationId xmlns:a16="http://schemas.microsoft.com/office/drawing/2014/main" id="{48749C0A-586A-4FD2-8092-F36B54BE6C84}"/>
+              </a:ext>
+            </a:extLst>
+          </p:cNvPr>
+          <p:cNvPicPr>
+            <a:picLocks noChangeAspect="1"/>
+          </p:cNvPicPr>
+          <p:nvPr/>
+        </p:nvPicPr>
+        <p:blipFill>
+          <a:blip r:embed="rId3"/>
+          <a:stretch>
+            <a:fillRect/>
+          </a:stretch>
+        </p:blipFill>
+        <p:spPr>
+          <a:xfrm>
+            <a:off x="4717565" y="5246790"/>
+            <a:ext cx="2647950" cy="552450"/>
+          </a:xfrm>
+          <a:prstGeom prst="rect">
+            <a:avLst/>
+          </a:prstGeom>
+          <a:ln w="3175">
+            <a:solidFill>
+              <a:schemeClr val="tx1"/>
+            </a:solidFill>
+          </a:ln>
+        </p:spPr>
+      </p:pic>
+      <p:sp>
+        <p:nvSpPr>
+          <p:cNvPr id="9" name="직사각형 8">
+            <a:extLst>
+              <a:ext uri="{FF2B5EF4-FFF2-40B4-BE49-F238E27FC236}">
+                <a16:creationId xmlns:a16="http://schemas.microsoft.com/office/drawing/2014/main" id="{9A46F36C-AF1D-4970-9CF6-79D58E71D10E}"/>
+              </a:ext>
+            </a:extLst>
+          </p:cNvPr>
+          <p:cNvSpPr/>
+          <p:nvPr/>
+        </p:nvSpPr>
+        <p:spPr>
+          <a:xfrm>
+            <a:off x="6428179" y="5388298"/>
+            <a:ext cx="832561" cy="187445"/>
+          </a:xfrm>
+          <a:prstGeom prst="rect">
+            <a:avLst/>
+          </a:prstGeom>
+          <a:noFill/>
+          <a:ln>
+            <a:solidFill>
+              <a:srgbClr val="FF0000"/>
+            </a:solidFill>
+          </a:ln>
+        </p:spPr>
+        <p:style>
+          <a:lnRef idx="2">
+            <a:schemeClr val="accent1">
+              <a:shade val="50000"/>
+            </a:schemeClr>
+          </a:lnRef>
+          <a:fillRef idx="1">
+            <a:schemeClr val="accent1"/>
+          </a:fillRef>
+          <a:effectRef idx="0">
+            <a:schemeClr val="accent1"/>
+          </a:effectRef>
+          <a:fontRef idx="minor">
+            <a:schemeClr val="lt1"/>
+          </a:fontRef>
+        </p:style>
+        <p:txBody>
+          <a:bodyPr rtlCol="0" anchor="ctr"/>
+          <a:lstStyle/>
+          <a:p>
+            <a:pPr algn="ctr"/>
+            <a:endParaRPr lang="ko-KR" altLang="en-US" dirty="0"/>
+          </a:p>
+        </p:txBody>
+      </p:sp>
+      <p:graphicFrame>
+        <p:nvGraphicFramePr>
+          <p:cNvPr id="6" name="표 9">
+            <a:extLst>
+              <a:ext uri="{FF2B5EF4-FFF2-40B4-BE49-F238E27FC236}">
+                <a16:creationId xmlns:a16="http://schemas.microsoft.com/office/drawing/2014/main" id="{F2E2E4C2-1A1F-4BE4-860C-6EA65430BE35}"/>
+              </a:ext>
+            </a:extLst>
+          </p:cNvPr>
+          <p:cNvGraphicFramePr>
+            <a:graphicFrameLocks noGrp="1"/>
+          </p:cNvGraphicFramePr>
+          <p:nvPr>
+            <p:extLst>
+              <p:ext uri="{D42A27DB-BD31-4B8C-83A1-F6EECF244321}">
+                <p14:modId xmlns:p14="http://schemas.microsoft.com/office/powerpoint/2010/main" val="3348449877"/>
+              </p:ext>
+            </p:extLst>
+          </p:nvPr>
+        </p:nvGraphicFramePr>
+        <p:xfrm>
+          <a:off x="7726219" y="5246790"/>
+          <a:ext cx="2320306" cy="594360"/>
+        </p:xfrm>
+        <a:graphic>
+          <a:graphicData uri="http://schemas.openxmlformats.org/drawingml/2006/table">
+            <a:tbl>
+              <a:tblPr firstRow="1" bandRow="1">
+                <a:tableStyleId>{5940675A-B579-460E-94D1-54222C63F5DA}</a:tableStyleId>
+              </a:tblPr>
+              <a:tblGrid>
+                <a:gridCol w="2320306">
+                  <a:extLst>
+                    <a:ext uri="{9D8B030D-6E8A-4147-A177-3AD203B41FA5}">
+                      <a16:colId xmlns:a16="http://schemas.microsoft.com/office/drawing/2014/main" val="2112698631"/>
+                    </a:ext>
+                  </a:extLst>
+                </a:gridCol>
+              </a:tblGrid>
+              <a:tr h="370840">
+                <a:tc>
+                  <a:txBody>
+                    <a:bodyPr/>
+                    <a:lstStyle/>
+                    <a:p>
+                      <a:pPr latinLnBrk="1"/>
+                      <a:r>
+                        <a:rPr lang="en-US" altLang="ko-KR" sz="1100" dirty="0"/>
+                        <a:t>@echo off</a:t>
+                      </a:r>
+                    </a:p>
+                    <a:p>
+                      <a:pPr latinLnBrk="1"/>
+                      <a:r>
+                        <a:rPr lang="en-US" altLang="ko-KR" sz="1100" dirty="0" err="1"/>
+                        <a:t>InfluencerAnalysis</a:t>
+                      </a:r>
+                      <a:r>
+                        <a:rPr lang="en-US" altLang="ko-KR" sz="1100" dirty="0"/>
+                        <a:t> &gt; log.txt</a:t>
+                      </a:r>
+                    </a:p>
+                    <a:p>
+                      <a:pPr latinLnBrk="1"/>
+                      <a:r>
+                        <a:rPr lang="en-US" altLang="ko-KR" sz="1100" dirty="0"/>
+                        <a:t>pause</a:t>
+                      </a:r>
+                      <a:endParaRPr lang="ko-KR" altLang="en-US" sz="1100" dirty="0"/>
+                    </a:p>
+                  </a:txBody>
+                  <a:tcPr/>
+                </a:tc>
+                <a:extLst>
+                  <a:ext uri="{0D108BD9-81ED-4DB2-BD59-A6C34878D82A}">
+                    <a16:rowId xmlns:a16="http://schemas.microsoft.com/office/drawing/2014/main" val="2661019430"/>
+                  </a:ext>
+                </a:extLst>
+              </a:tr>
+            </a:tbl>
+          </a:graphicData>
+        </a:graphic>
+      </p:graphicFrame>
+      <p:pic>
+        <p:nvPicPr>
+          <p:cNvPr id="4" name="그림 3">
+            <a:extLst>
+              <a:ext uri="{FF2B5EF4-FFF2-40B4-BE49-F238E27FC236}">
+                <a16:creationId xmlns:a16="http://schemas.microsoft.com/office/drawing/2014/main" id="{9CD4A3AC-1131-433F-8358-58E105C8C781}"/>
+              </a:ext>
+            </a:extLst>
+          </p:cNvPr>
+          <p:cNvPicPr>
+            <a:picLocks noChangeAspect="1"/>
+          </p:cNvPicPr>
+          <p:nvPr/>
+        </p:nvPicPr>
+        <p:blipFill>
+          <a:blip r:embed="rId4"/>
+          <a:stretch>
+            <a:fillRect/>
+          </a:stretch>
+        </p:blipFill>
+        <p:spPr>
+          <a:xfrm>
+            <a:off x="1003216" y="5246790"/>
+            <a:ext cx="3238500" cy="866775"/>
+          </a:xfrm>
+          <a:prstGeom prst="rect">
+            <a:avLst/>
+          </a:prstGeom>
+          <a:ln w="3175">
+            <a:solidFill>
+              <a:schemeClr val="tx1"/>
+            </a:solidFill>
+          </a:ln>
+        </p:spPr>
+      </p:pic>
     </p:spTree>
     <p:extLst>
       <p:ext uri="{BB962C8B-B14F-4D97-AF65-F5344CB8AC3E}">
